--- a/ppt 16-9/0879.看哪弟兄和睦同.pptx
+++ b/ppt 16-9/0879.看哪弟兄和睦同.pptx
@@ -5,7 +5,7 @@
     <p:sldMasterId id="2147483648" r:id="rId1"/>
   </p:sldMasterIdLst>
   <p:sldIdLst>
-    <p:sldId id="2192" r:id="rId2"/>
+    <p:sldId id="2194" r:id="rId2"/>
   </p:sldIdLst>
   <p:sldSz cx="12192000" cy="6858000"/>
   <p:notesSz cx="6858000" cy="9144000"/>
@@ -129,7 +129,7 @@
           <p:cNvPr id="2" name="标题 1">
             <a:extLst>
               <a:ext uri="{FF2B5EF4-FFF2-40B4-BE49-F238E27FC236}">
-                <a16:creationId xmlns:a16="http://schemas.microsoft.com/office/drawing/2014/main" id="{EB8EF22A-B53D-D1AC-44E1-6A0BC74E69D2}"/>
+                <a16:creationId xmlns:a16="http://schemas.microsoft.com/office/drawing/2014/main" id="{509859B4-3811-088C-81CB-5BBE4FAFBFA3}"/>
               </a:ext>
             </a:extLst>
           </p:cNvPr>
@@ -166,7 +166,7 @@
           <p:cNvPr id="3" name="副标题 2">
             <a:extLst>
               <a:ext uri="{FF2B5EF4-FFF2-40B4-BE49-F238E27FC236}">
-                <a16:creationId xmlns:a16="http://schemas.microsoft.com/office/drawing/2014/main" id="{581CB4B5-68AB-F1B6-F786-9A5BB9AB27F4}"/>
+                <a16:creationId xmlns:a16="http://schemas.microsoft.com/office/drawing/2014/main" id="{CD959F1C-CC56-C71A-2727-804429E0329F}"/>
               </a:ext>
             </a:extLst>
           </p:cNvPr>
@@ -236,7 +236,7 @@
           <p:cNvPr id="4" name="日期占位符 3">
             <a:extLst>
               <a:ext uri="{FF2B5EF4-FFF2-40B4-BE49-F238E27FC236}">
-                <a16:creationId xmlns:a16="http://schemas.microsoft.com/office/drawing/2014/main" id="{8C36053A-FBCE-B2DF-4E6B-3148ED2D5ED8}"/>
+                <a16:creationId xmlns:a16="http://schemas.microsoft.com/office/drawing/2014/main" id="{23FAD8BC-061C-19D8-0CD0-703D4C85760E}"/>
               </a:ext>
             </a:extLst>
           </p:cNvPr>
@@ -252,7 +252,7 @@
           <a:bodyPr/>
           <a:lstStyle/>
           <a:p>
-            <a:fld id="{1E88D7F2-9304-415A-840F-91BA957EE654}" type="datetimeFigureOut">
+            <a:fld id="{9DC97E52-F089-4EE0-AEA8-7B984B1F65E5}" type="datetimeFigureOut">
               <a:rPr lang="zh-CN" altLang="en-US" smtClean="0"/>
               <a:t>2024/3/10</a:t>
             </a:fld>
@@ -265,7 +265,7 @@
           <p:cNvPr id="5" name="页脚占位符 4">
             <a:extLst>
               <a:ext uri="{FF2B5EF4-FFF2-40B4-BE49-F238E27FC236}">
-                <a16:creationId xmlns:a16="http://schemas.microsoft.com/office/drawing/2014/main" id="{75CE8DEC-2926-DE1A-1547-D75F13805863}"/>
+                <a16:creationId xmlns:a16="http://schemas.microsoft.com/office/drawing/2014/main" id="{99575F77-20C8-F887-3C2D-B3097C762BE8}"/>
               </a:ext>
             </a:extLst>
           </p:cNvPr>
@@ -290,7 +290,7 @@
           <p:cNvPr id="6" name="灯片编号占位符 5">
             <a:extLst>
               <a:ext uri="{FF2B5EF4-FFF2-40B4-BE49-F238E27FC236}">
-                <a16:creationId xmlns:a16="http://schemas.microsoft.com/office/drawing/2014/main" id="{0A7EBA5D-EAAA-CB46-8C34-C99D9EAF8082}"/>
+                <a16:creationId xmlns:a16="http://schemas.microsoft.com/office/drawing/2014/main" id="{23B87A71-CF82-00E7-08D1-9D91329DBECD}"/>
               </a:ext>
             </a:extLst>
           </p:cNvPr>
@@ -306,7 +306,7 @@
           <a:bodyPr/>
           <a:lstStyle/>
           <a:p>
-            <a:fld id="{89E91699-E463-4EBF-82D1-18A2505B81C3}" type="slidenum">
+            <a:fld id="{115FBE51-1078-4159-BA71-B4BA696E8BF4}" type="slidenum">
               <a:rPr lang="zh-CN" altLang="en-US" smtClean="0"/>
               <a:t>‹#›</a:t>
             </a:fld>
@@ -317,7 +317,7 @@
     </p:spTree>
     <p:extLst>
       <p:ext uri="{BB962C8B-B14F-4D97-AF65-F5344CB8AC3E}">
-        <p14:creationId xmlns:p14="http://schemas.microsoft.com/office/powerpoint/2010/main" val="2961228606"/>
+        <p14:creationId xmlns:p14="http://schemas.microsoft.com/office/powerpoint/2010/main" val="3974765625"/>
       </p:ext>
     </p:extLst>
   </p:cSld>
@@ -349,7 +349,7 @@
           <p:cNvPr id="2" name="标题 1">
             <a:extLst>
               <a:ext uri="{FF2B5EF4-FFF2-40B4-BE49-F238E27FC236}">
-                <a16:creationId xmlns:a16="http://schemas.microsoft.com/office/drawing/2014/main" id="{B5198C15-7AA6-EBAB-C403-CBB4B2882534}"/>
+                <a16:creationId xmlns:a16="http://schemas.microsoft.com/office/drawing/2014/main" id="{66E0DA29-8143-88F0-0D1F-1B17EDFB09E8}"/>
               </a:ext>
             </a:extLst>
           </p:cNvPr>
@@ -377,7 +377,7 @@
           <p:cNvPr id="3" name="竖排文字占位符 2">
             <a:extLst>
               <a:ext uri="{FF2B5EF4-FFF2-40B4-BE49-F238E27FC236}">
-                <a16:creationId xmlns:a16="http://schemas.microsoft.com/office/drawing/2014/main" id="{702FEB2D-1E01-CB1F-F3E7-FB4B392CF272}"/>
+                <a16:creationId xmlns:a16="http://schemas.microsoft.com/office/drawing/2014/main" id="{655DD01D-BAC1-D282-92F4-9730C3F2E5D9}"/>
               </a:ext>
             </a:extLst>
           </p:cNvPr>
@@ -434,7 +434,7 @@
           <p:cNvPr id="4" name="日期占位符 3">
             <a:extLst>
               <a:ext uri="{FF2B5EF4-FFF2-40B4-BE49-F238E27FC236}">
-                <a16:creationId xmlns:a16="http://schemas.microsoft.com/office/drawing/2014/main" id="{7D999640-0A52-72D6-B5F4-1EEA09898B21}"/>
+                <a16:creationId xmlns:a16="http://schemas.microsoft.com/office/drawing/2014/main" id="{0A050D47-0513-ADAB-37E4-2DD6B440148C}"/>
               </a:ext>
             </a:extLst>
           </p:cNvPr>
@@ -450,7 +450,7 @@
           <a:bodyPr/>
           <a:lstStyle/>
           <a:p>
-            <a:fld id="{1E88D7F2-9304-415A-840F-91BA957EE654}" type="datetimeFigureOut">
+            <a:fld id="{9DC97E52-F089-4EE0-AEA8-7B984B1F65E5}" type="datetimeFigureOut">
               <a:rPr lang="zh-CN" altLang="en-US" smtClean="0"/>
               <a:t>2024/3/10</a:t>
             </a:fld>
@@ -463,7 +463,7 @@
           <p:cNvPr id="5" name="页脚占位符 4">
             <a:extLst>
               <a:ext uri="{FF2B5EF4-FFF2-40B4-BE49-F238E27FC236}">
-                <a16:creationId xmlns:a16="http://schemas.microsoft.com/office/drawing/2014/main" id="{0AA23CB2-32B4-57A7-81C5-0E6EE2AEEF2A}"/>
+                <a16:creationId xmlns:a16="http://schemas.microsoft.com/office/drawing/2014/main" id="{C4EFEF5D-9367-66D2-7700-437C5FDBC0E9}"/>
               </a:ext>
             </a:extLst>
           </p:cNvPr>
@@ -488,7 +488,7 @@
           <p:cNvPr id="6" name="灯片编号占位符 5">
             <a:extLst>
               <a:ext uri="{FF2B5EF4-FFF2-40B4-BE49-F238E27FC236}">
-                <a16:creationId xmlns:a16="http://schemas.microsoft.com/office/drawing/2014/main" id="{FD708AF7-3F0F-AF32-D937-87A590570E87}"/>
+                <a16:creationId xmlns:a16="http://schemas.microsoft.com/office/drawing/2014/main" id="{3D54016D-B905-4541-B556-85001A5D5177}"/>
               </a:ext>
             </a:extLst>
           </p:cNvPr>
@@ -504,7 +504,7 @@
           <a:bodyPr/>
           <a:lstStyle/>
           <a:p>
-            <a:fld id="{89E91699-E463-4EBF-82D1-18A2505B81C3}" type="slidenum">
+            <a:fld id="{115FBE51-1078-4159-BA71-B4BA696E8BF4}" type="slidenum">
               <a:rPr lang="zh-CN" altLang="en-US" smtClean="0"/>
               <a:t>‹#›</a:t>
             </a:fld>
@@ -515,7 +515,7 @@
     </p:spTree>
     <p:extLst>
       <p:ext uri="{BB962C8B-B14F-4D97-AF65-F5344CB8AC3E}">
-        <p14:creationId xmlns:p14="http://schemas.microsoft.com/office/powerpoint/2010/main" val="1439813061"/>
+        <p14:creationId xmlns:p14="http://schemas.microsoft.com/office/powerpoint/2010/main" val="2697064740"/>
       </p:ext>
     </p:extLst>
   </p:cSld>
@@ -547,7 +547,7 @@
           <p:cNvPr id="2" name="竖排标题 1">
             <a:extLst>
               <a:ext uri="{FF2B5EF4-FFF2-40B4-BE49-F238E27FC236}">
-                <a16:creationId xmlns:a16="http://schemas.microsoft.com/office/drawing/2014/main" id="{953325A4-F4C8-2EC9-42EF-6F8DD7A8AD4A}"/>
+                <a16:creationId xmlns:a16="http://schemas.microsoft.com/office/drawing/2014/main" id="{6D441DFE-02F8-2D36-8FD8-0DAB40CA57F2}"/>
               </a:ext>
             </a:extLst>
           </p:cNvPr>
@@ -580,7 +580,7 @@
           <p:cNvPr id="3" name="竖排文字占位符 2">
             <a:extLst>
               <a:ext uri="{FF2B5EF4-FFF2-40B4-BE49-F238E27FC236}">
-                <a16:creationId xmlns:a16="http://schemas.microsoft.com/office/drawing/2014/main" id="{7400D923-F9F2-87B1-FBAB-A97C7BA85A94}"/>
+                <a16:creationId xmlns:a16="http://schemas.microsoft.com/office/drawing/2014/main" id="{FD4F553E-B5C6-228E-805A-FAF3E27CEAB7}"/>
               </a:ext>
             </a:extLst>
           </p:cNvPr>
@@ -642,7 +642,7 @@
           <p:cNvPr id="4" name="日期占位符 3">
             <a:extLst>
               <a:ext uri="{FF2B5EF4-FFF2-40B4-BE49-F238E27FC236}">
-                <a16:creationId xmlns:a16="http://schemas.microsoft.com/office/drawing/2014/main" id="{F6C39303-BDD2-8FE1-3DE9-FDBEC2BB1865}"/>
+                <a16:creationId xmlns:a16="http://schemas.microsoft.com/office/drawing/2014/main" id="{6F72CD80-E673-86F8-D043-BBC0446B7ABA}"/>
               </a:ext>
             </a:extLst>
           </p:cNvPr>
@@ -658,7 +658,7 @@
           <a:bodyPr/>
           <a:lstStyle/>
           <a:p>
-            <a:fld id="{1E88D7F2-9304-415A-840F-91BA957EE654}" type="datetimeFigureOut">
+            <a:fld id="{9DC97E52-F089-4EE0-AEA8-7B984B1F65E5}" type="datetimeFigureOut">
               <a:rPr lang="zh-CN" altLang="en-US" smtClean="0"/>
               <a:t>2024/3/10</a:t>
             </a:fld>
@@ -671,7 +671,7 @@
           <p:cNvPr id="5" name="页脚占位符 4">
             <a:extLst>
               <a:ext uri="{FF2B5EF4-FFF2-40B4-BE49-F238E27FC236}">
-                <a16:creationId xmlns:a16="http://schemas.microsoft.com/office/drawing/2014/main" id="{DAD6ACC9-C5FF-CC8F-A7BD-0F52370E8EE8}"/>
+                <a16:creationId xmlns:a16="http://schemas.microsoft.com/office/drawing/2014/main" id="{7F0784E8-65EA-29CB-2789-914A68D0D197}"/>
               </a:ext>
             </a:extLst>
           </p:cNvPr>
@@ -696,7 +696,7 @@
           <p:cNvPr id="6" name="灯片编号占位符 5">
             <a:extLst>
               <a:ext uri="{FF2B5EF4-FFF2-40B4-BE49-F238E27FC236}">
-                <a16:creationId xmlns:a16="http://schemas.microsoft.com/office/drawing/2014/main" id="{F894FB2D-02A6-581A-46FE-37675D1391AF}"/>
+                <a16:creationId xmlns:a16="http://schemas.microsoft.com/office/drawing/2014/main" id="{DFEEE6D6-B966-16B9-F2B9-C7CD65AFC12D}"/>
               </a:ext>
             </a:extLst>
           </p:cNvPr>
@@ -712,7 +712,7 @@
           <a:bodyPr/>
           <a:lstStyle/>
           <a:p>
-            <a:fld id="{89E91699-E463-4EBF-82D1-18A2505B81C3}" type="slidenum">
+            <a:fld id="{115FBE51-1078-4159-BA71-B4BA696E8BF4}" type="slidenum">
               <a:rPr lang="zh-CN" altLang="en-US" smtClean="0"/>
               <a:t>‹#›</a:t>
             </a:fld>
@@ -723,7 +723,7 @@
     </p:spTree>
     <p:extLst>
       <p:ext uri="{BB962C8B-B14F-4D97-AF65-F5344CB8AC3E}">
-        <p14:creationId xmlns:p14="http://schemas.microsoft.com/office/powerpoint/2010/main" val="3704821300"/>
+        <p14:creationId xmlns:p14="http://schemas.microsoft.com/office/powerpoint/2010/main" val="3289213359"/>
       </p:ext>
     </p:extLst>
   </p:cSld>
@@ -755,7 +755,7 @@
           <p:cNvPr id="2" name="标题 1">
             <a:extLst>
               <a:ext uri="{FF2B5EF4-FFF2-40B4-BE49-F238E27FC236}">
-                <a16:creationId xmlns:a16="http://schemas.microsoft.com/office/drawing/2014/main" id="{CCABDDB5-FC0A-2289-1B3B-ECFF8AF56499}"/>
+                <a16:creationId xmlns:a16="http://schemas.microsoft.com/office/drawing/2014/main" id="{AC80D432-900B-70E5-0C34-BAE581AD6751}"/>
               </a:ext>
             </a:extLst>
           </p:cNvPr>
@@ -783,7 +783,7 @@
           <p:cNvPr id="3" name="内容占位符 2">
             <a:extLst>
               <a:ext uri="{FF2B5EF4-FFF2-40B4-BE49-F238E27FC236}">
-                <a16:creationId xmlns:a16="http://schemas.microsoft.com/office/drawing/2014/main" id="{B83C026E-AC5A-7037-EC11-E35C32706ECE}"/>
+                <a16:creationId xmlns:a16="http://schemas.microsoft.com/office/drawing/2014/main" id="{84113A67-D332-C523-3A92-58FAA45CA4D1}"/>
               </a:ext>
             </a:extLst>
           </p:cNvPr>
@@ -840,7 +840,7 @@
           <p:cNvPr id="4" name="日期占位符 3">
             <a:extLst>
               <a:ext uri="{FF2B5EF4-FFF2-40B4-BE49-F238E27FC236}">
-                <a16:creationId xmlns:a16="http://schemas.microsoft.com/office/drawing/2014/main" id="{900FE4B6-31D7-CA92-3855-74AE0F2A3F18}"/>
+                <a16:creationId xmlns:a16="http://schemas.microsoft.com/office/drawing/2014/main" id="{5549D2F9-B01F-FACD-DDCC-BEA500E4DEE9}"/>
               </a:ext>
             </a:extLst>
           </p:cNvPr>
@@ -856,7 +856,7 @@
           <a:bodyPr/>
           <a:lstStyle/>
           <a:p>
-            <a:fld id="{1E88D7F2-9304-415A-840F-91BA957EE654}" type="datetimeFigureOut">
+            <a:fld id="{9DC97E52-F089-4EE0-AEA8-7B984B1F65E5}" type="datetimeFigureOut">
               <a:rPr lang="zh-CN" altLang="en-US" smtClean="0"/>
               <a:t>2024/3/10</a:t>
             </a:fld>
@@ -869,7 +869,7 @@
           <p:cNvPr id="5" name="页脚占位符 4">
             <a:extLst>
               <a:ext uri="{FF2B5EF4-FFF2-40B4-BE49-F238E27FC236}">
-                <a16:creationId xmlns:a16="http://schemas.microsoft.com/office/drawing/2014/main" id="{FAD36DF6-7F07-1F31-F3FA-4B1DC48E0D0B}"/>
+                <a16:creationId xmlns:a16="http://schemas.microsoft.com/office/drawing/2014/main" id="{61E505DB-8242-260B-2977-A3E7EC5180F3}"/>
               </a:ext>
             </a:extLst>
           </p:cNvPr>
@@ -894,7 +894,7 @@
           <p:cNvPr id="6" name="灯片编号占位符 5">
             <a:extLst>
               <a:ext uri="{FF2B5EF4-FFF2-40B4-BE49-F238E27FC236}">
-                <a16:creationId xmlns:a16="http://schemas.microsoft.com/office/drawing/2014/main" id="{68B96F7E-514B-181F-DE0C-6AF0A71F0E56}"/>
+                <a16:creationId xmlns:a16="http://schemas.microsoft.com/office/drawing/2014/main" id="{2422427C-8517-D7BE-6F02-9A4DB9F8A89F}"/>
               </a:ext>
             </a:extLst>
           </p:cNvPr>
@@ -910,7 +910,7 @@
           <a:bodyPr/>
           <a:lstStyle/>
           <a:p>
-            <a:fld id="{89E91699-E463-4EBF-82D1-18A2505B81C3}" type="slidenum">
+            <a:fld id="{115FBE51-1078-4159-BA71-B4BA696E8BF4}" type="slidenum">
               <a:rPr lang="zh-CN" altLang="en-US" smtClean="0"/>
               <a:t>‹#›</a:t>
             </a:fld>
@@ -921,7 +921,7 @@
     </p:spTree>
     <p:extLst>
       <p:ext uri="{BB962C8B-B14F-4D97-AF65-F5344CB8AC3E}">
-        <p14:creationId xmlns:p14="http://schemas.microsoft.com/office/powerpoint/2010/main" val="2407614605"/>
+        <p14:creationId xmlns:p14="http://schemas.microsoft.com/office/powerpoint/2010/main" val="3887735691"/>
       </p:ext>
     </p:extLst>
   </p:cSld>
@@ -953,7 +953,7 @@
           <p:cNvPr id="2" name="标题 1">
             <a:extLst>
               <a:ext uri="{FF2B5EF4-FFF2-40B4-BE49-F238E27FC236}">
-                <a16:creationId xmlns:a16="http://schemas.microsoft.com/office/drawing/2014/main" id="{C648C7E3-0385-BACD-414A-4C922BE3F5E8}"/>
+                <a16:creationId xmlns:a16="http://schemas.microsoft.com/office/drawing/2014/main" id="{4833C7EB-0268-357F-3F3E-1E96860B4FB5}"/>
               </a:ext>
             </a:extLst>
           </p:cNvPr>
@@ -990,7 +990,7 @@
           <p:cNvPr id="3" name="文本占位符 2">
             <a:extLst>
               <a:ext uri="{FF2B5EF4-FFF2-40B4-BE49-F238E27FC236}">
-                <a16:creationId xmlns:a16="http://schemas.microsoft.com/office/drawing/2014/main" id="{908BA951-0ED1-67AC-8A91-14FF4FD71582}"/>
+                <a16:creationId xmlns:a16="http://schemas.microsoft.com/office/drawing/2014/main" id="{A86FDD2E-94DA-B623-34CF-9D061A98AEC6}"/>
               </a:ext>
             </a:extLst>
           </p:cNvPr>
@@ -1115,7 +1115,7 @@
           <p:cNvPr id="4" name="日期占位符 3">
             <a:extLst>
               <a:ext uri="{FF2B5EF4-FFF2-40B4-BE49-F238E27FC236}">
-                <a16:creationId xmlns:a16="http://schemas.microsoft.com/office/drawing/2014/main" id="{CAE58CBF-DF5A-22C0-903E-8AA5B770165E}"/>
+                <a16:creationId xmlns:a16="http://schemas.microsoft.com/office/drawing/2014/main" id="{59A0FDE4-6636-4A58-D2B1-7146AF250337}"/>
               </a:ext>
             </a:extLst>
           </p:cNvPr>
@@ -1131,7 +1131,7 @@
           <a:bodyPr/>
           <a:lstStyle/>
           <a:p>
-            <a:fld id="{1E88D7F2-9304-415A-840F-91BA957EE654}" type="datetimeFigureOut">
+            <a:fld id="{9DC97E52-F089-4EE0-AEA8-7B984B1F65E5}" type="datetimeFigureOut">
               <a:rPr lang="zh-CN" altLang="en-US" smtClean="0"/>
               <a:t>2024/3/10</a:t>
             </a:fld>
@@ -1144,7 +1144,7 @@
           <p:cNvPr id="5" name="页脚占位符 4">
             <a:extLst>
               <a:ext uri="{FF2B5EF4-FFF2-40B4-BE49-F238E27FC236}">
-                <a16:creationId xmlns:a16="http://schemas.microsoft.com/office/drawing/2014/main" id="{4279C0E3-0C50-5619-50FE-C6CB6B99DD03}"/>
+                <a16:creationId xmlns:a16="http://schemas.microsoft.com/office/drawing/2014/main" id="{C75AAA60-D964-3072-7C04-1A03443980EF}"/>
               </a:ext>
             </a:extLst>
           </p:cNvPr>
@@ -1169,7 +1169,7 @@
           <p:cNvPr id="6" name="灯片编号占位符 5">
             <a:extLst>
               <a:ext uri="{FF2B5EF4-FFF2-40B4-BE49-F238E27FC236}">
-                <a16:creationId xmlns:a16="http://schemas.microsoft.com/office/drawing/2014/main" id="{2AF3E1D6-2D7A-1534-C8CF-F58CE512F27C}"/>
+                <a16:creationId xmlns:a16="http://schemas.microsoft.com/office/drawing/2014/main" id="{32676E32-FF89-3FB2-4CB9-3168FCC7F7A2}"/>
               </a:ext>
             </a:extLst>
           </p:cNvPr>
@@ -1185,7 +1185,7 @@
           <a:bodyPr/>
           <a:lstStyle/>
           <a:p>
-            <a:fld id="{89E91699-E463-4EBF-82D1-18A2505B81C3}" type="slidenum">
+            <a:fld id="{115FBE51-1078-4159-BA71-B4BA696E8BF4}" type="slidenum">
               <a:rPr lang="zh-CN" altLang="en-US" smtClean="0"/>
               <a:t>‹#›</a:t>
             </a:fld>
@@ -1196,7 +1196,7 @@
     </p:spTree>
     <p:extLst>
       <p:ext uri="{BB962C8B-B14F-4D97-AF65-F5344CB8AC3E}">
-        <p14:creationId xmlns:p14="http://schemas.microsoft.com/office/powerpoint/2010/main" val="2910514486"/>
+        <p14:creationId xmlns:p14="http://schemas.microsoft.com/office/powerpoint/2010/main" val="4241092835"/>
       </p:ext>
     </p:extLst>
   </p:cSld>
@@ -1228,7 +1228,7 @@
           <p:cNvPr id="2" name="标题 1">
             <a:extLst>
               <a:ext uri="{FF2B5EF4-FFF2-40B4-BE49-F238E27FC236}">
-                <a16:creationId xmlns:a16="http://schemas.microsoft.com/office/drawing/2014/main" id="{A9089E7F-992D-998D-F2B4-E1C35496FEDB}"/>
+                <a16:creationId xmlns:a16="http://schemas.microsoft.com/office/drawing/2014/main" id="{4666E547-9B06-7EF6-ABB3-B04866F2F45E}"/>
               </a:ext>
             </a:extLst>
           </p:cNvPr>
@@ -1256,7 +1256,7 @@
           <p:cNvPr id="3" name="内容占位符 2">
             <a:extLst>
               <a:ext uri="{FF2B5EF4-FFF2-40B4-BE49-F238E27FC236}">
-                <a16:creationId xmlns:a16="http://schemas.microsoft.com/office/drawing/2014/main" id="{10527C4A-3EDF-D799-2B9E-BFA1BEEDD036}"/>
+                <a16:creationId xmlns:a16="http://schemas.microsoft.com/office/drawing/2014/main" id="{10EA14A9-F53C-4A81-3B7F-539FDC52DCE4}"/>
               </a:ext>
             </a:extLst>
           </p:cNvPr>
@@ -1318,7 +1318,7 @@
           <p:cNvPr id="4" name="内容占位符 3">
             <a:extLst>
               <a:ext uri="{FF2B5EF4-FFF2-40B4-BE49-F238E27FC236}">
-                <a16:creationId xmlns:a16="http://schemas.microsoft.com/office/drawing/2014/main" id="{53602197-C00B-458D-CE36-E16DE0B57ADE}"/>
+                <a16:creationId xmlns:a16="http://schemas.microsoft.com/office/drawing/2014/main" id="{5F0B4872-89B7-4F2B-3389-BEC103BC5B88}"/>
               </a:ext>
             </a:extLst>
           </p:cNvPr>
@@ -1380,7 +1380,7 @@
           <p:cNvPr id="5" name="日期占位符 4">
             <a:extLst>
               <a:ext uri="{FF2B5EF4-FFF2-40B4-BE49-F238E27FC236}">
-                <a16:creationId xmlns:a16="http://schemas.microsoft.com/office/drawing/2014/main" id="{01B84BCA-3B4F-5A4C-C42E-BE55FB0F3050}"/>
+                <a16:creationId xmlns:a16="http://schemas.microsoft.com/office/drawing/2014/main" id="{95CFAF6D-44B6-9CE8-9B6F-E819E7DA7732}"/>
               </a:ext>
             </a:extLst>
           </p:cNvPr>
@@ -1396,7 +1396,7 @@
           <a:bodyPr/>
           <a:lstStyle/>
           <a:p>
-            <a:fld id="{1E88D7F2-9304-415A-840F-91BA957EE654}" type="datetimeFigureOut">
+            <a:fld id="{9DC97E52-F089-4EE0-AEA8-7B984B1F65E5}" type="datetimeFigureOut">
               <a:rPr lang="zh-CN" altLang="en-US" smtClean="0"/>
               <a:t>2024/3/10</a:t>
             </a:fld>
@@ -1409,7 +1409,7 @@
           <p:cNvPr id="6" name="页脚占位符 5">
             <a:extLst>
               <a:ext uri="{FF2B5EF4-FFF2-40B4-BE49-F238E27FC236}">
-                <a16:creationId xmlns:a16="http://schemas.microsoft.com/office/drawing/2014/main" id="{752D44CF-28DB-EEC6-892D-F34688D2D94B}"/>
+                <a16:creationId xmlns:a16="http://schemas.microsoft.com/office/drawing/2014/main" id="{20918345-A6C9-8903-9143-0D2817F00BA2}"/>
               </a:ext>
             </a:extLst>
           </p:cNvPr>
@@ -1434,7 +1434,7 @@
           <p:cNvPr id="7" name="灯片编号占位符 6">
             <a:extLst>
               <a:ext uri="{FF2B5EF4-FFF2-40B4-BE49-F238E27FC236}">
-                <a16:creationId xmlns:a16="http://schemas.microsoft.com/office/drawing/2014/main" id="{1AE5F56B-45A9-7413-A29A-F2EE946323E4}"/>
+                <a16:creationId xmlns:a16="http://schemas.microsoft.com/office/drawing/2014/main" id="{931B59A2-5BCE-1243-FEC5-ABCAC1A409D8}"/>
               </a:ext>
             </a:extLst>
           </p:cNvPr>
@@ -1450,7 +1450,7 @@
           <a:bodyPr/>
           <a:lstStyle/>
           <a:p>
-            <a:fld id="{89E91699-E463-4EBF-82D1-18A2505B81C3}" type="slidenum">
+            <a:fld id="{115FBE51-1078-4159-BA71-B4BA696E8BF4}" type="slidenum">
               <a:rPr lang="zh-CN" altLang="en-US" smtClean="0"/>
               <a:t>‹#›</a:t>
             </a:fld>
@@ -1461,7 +1461,7 @@
     </p:spTree>
     <p:extLst>
       <p:ext uri="{BB962C8B-B14F-4D97-AF65-F5344CB8AC3E}">
-        <p14:creationId xmlns:p14="http://schemas.microsoft.com/office/powerpoint/2010/main" val="2618409321"/>
+        <p14:creationId xmlns:p14="http://schemas.microsoft.com/office/powerpoint/2010/main" val="1526122175"/>
       </p:ext>
     </p:extLst>
   </p:cSld>
@@ -1493,7 +1493,7 @@
           <p:cNvPr id="2" name="标题 1">
             <a:extLst>
               <a:ext uri="{FF2B5EF4-FFF2-40B4-BE49-F238E27FC236}">
-                <a16:creationId xmlns:a16="http://schemas.microsoft.com/office/drawing/2014/main" id="{9DD9D981-0643-962E-3135-4F3217BB3ECD}"/>
+                <a16:creationId xmlns:a16="http://schemas.microsoft.com/office/drawing/2014/main" id="{A3892366-08E8-9E53-9E9B-B76441AF76C8}"/>
               </a:ext>
             </a:extLst>
           </p:cNvPr>
@@ -1526,7 +1526,7 @@
           <p:cNvPr id="3" name="文本占位符 2">
             <a:extLst>
               <a:ext uri="{FF2B5EF4-FFF2-40B4-BE49-F238E27FC236}">
-                <a16:creationId xmlns:a16="http://schemas.microsoft.com/office/drawing/2014/main" id="{C425A80D-5ECF-D502-A26B-69DE625A12A9}"/>
+                <a16:creationId xmlns:a16="http://schemas.microsoft.com/office/drawing/2014/main" id="{61C6D92E-2EB9-E143-C2D7-A12D6CFBFB7E}"/>
               </a:ext>
             </a:extLst>
           </p:cNvPr>
@@ -1597,7 +1597,7 @@
           <p:cNvPr id="4" name="内容占位符 3">
             <a:extLst>
               <a:ext uri="{FF2B5EF4-FFF2-40B4-BE49-F238E27FC236}">
-                <a16:creationId xmlns:a16="http://schemas.microsoft.com/office/drawing/2014/main" id="{F00F4C69-EF10-A77D-C5AF-C4B857C8E759}"/>
+                <a16:creationId xmlns:a16="http://schemas.microsoft.com/office/drawing/2014/main" id="{AF1B648A-716C-4CB1-777E-60D936E3B51B}"/>
               </a:ext>
             </a:extLst>
           </p:cNvPr>
@@ -1659,7 +1659,7 @@
           <p:cNvPr id="5" name="文本占位符 4">
             <a:extLst>
               <a:ext uri="{FF2B5EF4-FFF2-40B4-BE49-F238E27FC236}">
-                <a16:creationId xmlns:a16="http://schemas.microsoft.com/office/drawing/2014/main" id="{A4DAD9D5-37AF-9B54-2D8A-4C65E50A9110}"/>
+                <a16:creationId xmlns:a16="http://schemas.microsoft.com/office/drawing/2014/main" id="{522CA793-F8CB-2956-615F-6D99C0CB0405}"/>
               </a:ext>
             </a:extLst>
           </p:cNvPr>
@@ -1730,7 +1730,7 @@
           <p:cNvPr id="6" name="内容占位符 5">
             <a:extLst>
               <a:ext uri="{FF2B5EF4-FFF2-40B4-BE49-F238E27FC236}">
-                <a16:creationId xmlns:a16="http://schemas.microsoft.com/office/drawing/2014/main" id="{5B660DB6-D24C-B943-1051-6A207485DAAD}"/>
+                <a16:creationId xmlns:a16="http://schemas.microsoft.com/office/drawing/2014/main" id="{F7EE06B5-3F92-3CFB-41AA-8425907D2ECC}"/>
               </a:ext>
             </a:extLst>
           </p:cNvPr>
@@ -1792,7 +1792,7 @@
           <p:cNvPr id="7" name="日期占位符 6">
             <a:extLst>
               <a:ext uri="{FF2B5EF4-FFF2-40B4-BE49-F238E27FC236}">
-                <a16:creationId xmlns:a16="http://schemas.microsoft.com/office/drawing/2014/main" id="{32397C77-782D-59C0-964F-7419F09A7150}"/>
+                <a16:creationId xmlns:a16="http://schemas.microsoft.com/office/drawing/2014/main" id="{CA41319F-8D75-B3F0-94EA-FC2340809A93}"/>
               </a:ext>
             </a:extLst>
           </p:cNvPr>
@@ -1808,7 +1808,7 @@
           <a:bodyPr/>
           <a:lstStyle/>
           <a:p>
-            <a:fld id="{1E88D7F2-9304-415A-840F-91BA957EE654}" type="datetimeFigureOut">
+            <a:fld id="{9DC97E52-F089-4EE0-AEA8-7B984B1F65E5}" type="datetimeFigureOut">
               <a:rPr lang="zh-CN" altLang="en-US" smtClean="0"/>
               <a:t>2024/3/10</a:t>
             </a:fld>
@@ -1821,7 +1821,7 @@
           <p:cNvPr id="8" name="页脚占位符 7">
             <a:extLst>
               <a:ext uri="{FF2B5EF4-FFF2-40B4-BE49-F238E27FC236}">
-                <a16:creationId xmlns:a16="http://schemas.microsoft.com/office/drawing/2014/main" id="{BDE8DD38-F3AB-9B52-AF56-310740B30E10}"/>
+                <a16:creationId xmlns:a16="http://schemas.microsoft.com/office/drawing/2014/main" id="{E86ED91F-1B82-88B5-F089-D6C24D38E80C}"/>
               </a:ext>
             </a:extLst>
           </p:cNvPr>
@@ -1846,7 +1846,7 @@
           <p:cNvPr id="9" name="灯片编号占位符 8">
             <a:extLst>
               <a:ext uri="{FF2B5EF4-FFF2-40B4-BE49-F238E27FC236}">
-                <a16:creationId xmlns:a16="http://schemas.microsoft.com/office/drawing/2014/main" id="{3FB8210D-5C5A-BDE1-3E6A-CCAFED82E935}"/>
+                <a16:creationId xmlns:a16="http://schemas.microsoft.com/office/drawing/2014/main" id="{DE642D79-0779-45EC-5056-23B98274895B}"/>
               </a:ext>
             </a:extLst>
           </p:cNvPr>
@@ -1862,7 +1862,7 @@
           <a:bodyPr/>
           <a:lstStyle/>
           <a:p>
-            <a:fld id="{89E91699-E463-4EBF-82D1-18A2505B81C3}" type="slidenum">
+            <a:fld id="{115FBE51-1078-4159-BA71-B4BA696E8BF4}" type="slidenum">
               <a:rPr lang="zh-CN" altLang="en-US" smtClean="0"/>
               <a:t>‹#›</a:t>
             </a:fld>
@@ -1873,7 +1873,7 @@
     </p:spTree>
     <p:extLst>
       <p:ext uri="{BB962C8B-B14F-4D97-AF65-F5344CB8AC3E}">
-        <p14:creationId xmlns:p14="http://schemas.microsoft.com/office/powerpoint/2010/main" val="3120791450"/>
+        <p14:creationId xmlns:p14="http://schemas.microsoft.com/office/powerpoint/2010/main" val="3900241640"/>
       </p:ext>
     </p:extLst>
   </p:cSld>
@@ -1905,7 +1905,7 @@
           <p:cNvPr id="2" name="标题 1">
             <a:extLst>
               <a:ext uri="{FF2B5EF4-FFF2-40B4-BE49-F238E27FC236}">
-                <a16:creationId xmlns:a16="http://schemas.microsoft.com/office/drawing/2014/main" id="{E72575C6-112A-8916-189E-90F3ACB248C5}"/>
+                <a16:creationId xmlns:a16="http://schemas.microsoft.com/office/drawing/2014/main" id="{E6299E04-E9DB-7124-46A9-4D29BF4D491F}"/>
               </a:ext>
             </a:extLst>
           </p:cNvPr>
@@ -1933,7 +1933,7 @@
           <p:cNvPr id="3" name="日期占位符 2">
             <a:extLst>
               <a:ext uri="{FF2B5EF4-FFF2-40B4-BE49-F238E27FC236}">
-                <a16:creationId xmlns:a16="http://schemas.microsoft.com/office/drawing/2014/main" id="{B4EDE3A4-2071-5F3E-A385-4AAF4B7D20E7}"/>
+                <a16:creationId xmlns:a16="http://schemas.microsoft.com/office/drawing/2014/main" id="{77820BFB-B0CA-A6DD-FB33-FE949DE9CDAC}"/>
               </a:ext>
             </a:extLst>
           </p:cNvPr>
@@ -1949,7 +1949,7 @@
           <a:bodyPr/>
           <a:lstStyle/>
           <a:p>
-            <a:fld id="{1E88D7F2-9304-415A-840F-91BA957EE654}" type="datetimeFigureOut">
+            <a:fld id="{9DC97E52-F089-4EE0-AEA8-7B984B1F65E5}" type="datetimeFigureOut">
               <a:rPr lang="zh-CN" altLang="en-US" smtClean="0"/>
               <a:t>2024/3/10</a:t>
             </a:fld>
@@ -1962,7 +1962,7 @@
           <p:cNvPr id="4" name="页脚占位符 3">
             <a:extLst>
               <a:ext uri="{FF2B5EF4-FFF2-40B4-BE49-F238E27FC236}">
-                <a16:creationId xmlns:a16="http://schemas.microsoft.com/office/drawing/2014/main" id="{F608C2AC-79D3-5266-66D1-CBCBD072831C}"/>
+                <a16:creationId xmlns:a16="http://schemas.microsoft.com/office/drawing/2014/main" id="{3645A753-1E32-4913-0019-09D56E0907E4}"/>
               </a:ext>
             </a:extLst>
           </p:cNvPr>
@@ -1987,7 +1987,7 @@
           <p:cNvPr id="5" name="灯片编号占位符 4">
             <a:extLst>
               <a:ext uri="{FF2B5EF4-FFF2-40B4-BE49-F238E27FC236}">
-                <a16:creationId xmlns:a16="http://schemas.microsoft.com/office/drawing/2014/main" id="{BCED12B5-F572-5148-ABE1-1F5D9EB791A3}"/>
+                <a16:creationId xmlns:a16="http://schemas.microsoft.com/office/drawing/2014/main" id="{00953892-DCD3-199B-39DD-272E3D987C8C}"/>
               </a:ext>
             </a:extLst>
           </p:cNvPr>
@@ -2003,7 +2003,7 @@
           <a:bodyPr/>
           <a:lstStyle/>
           <a:p>
-            <a:fld id="{89E91699-E463-4EBF-82D1-18A2505B81C3}" type="slidenum">
+            <a:fld id="{115FBE51-1078-4159-BA71-B4BA696E8BF4}" type="slidenum">
               <a:rPr lang="zh-CN" altLang="en-US" smtClean="0"/>
               <a:t>‹#›</a:t>
             </a:fld>
@@ -2014,7 +2014,7 @@
     </p:spTree>
     <p:extLst>
       <p:ext uri="{BB962C8B-B14F-4D97-AF65-F5344CB8AC3E}">
-        <p14:creationId xmlns:p14="http://schemas.microsoft.com/office/powerpoint/2010/main" val="1505689629"/>
+        <p14:creationId xmlns:p14="http://schemas.microsoft.com/office/powerpoint/2010/main" val="2797886720"/>
       </p:ext>
     </p:extLst>
   </p:cSld>
@@ -2046,7 +2046,7 @@
           <p:cNvPr id="2" name="日期占位符 1">
             <a:extLst>
               <a:ext uri="{FF2B5EF4-FFF2-40B4-BE49-F238E27FC236}">
-                <a16:creationId xmlns:a16="http://schemas.microsoft.com/office/drawing/2014/main" id="{7EFA8ADA-109D-D7F1-0107-5BC7F3287C72}"/>
+                <a16:creationId xmlns:a16="http://schemas.microsoft.com/office/drawing/2014/main" id="{5295C643-4E86-0420-5FE2-6F041DD9D3A0}"/>
               </a:ext>
             </a:extLst>
           </p:cNvPr>
@@ -2062,7 +2062,7 @@
           <a:bodyPr/>
           <a:lstStyle/>
           <a:p>
-            <a:fld id="{1E88D7F2-9304-415A-840F-91BA957EE654}" type="datetimeFigureOut">
+            <a:fld id="{9DC97E52-F089-4EE0-AEA8-7B984B1F65E5}" type="datetimeFigureOut">
               <a:rPr lang="zh-CN" altLang="en-US" smtClean="0"/>
               <a:t>2024/3/10</a:t>
             </a:fld>
@@ -2075,7 +2075,7 @@
           <p:cNvPr id="3" name="页脚占位符 2">
             <a:extLst>
               <a:ext uri="{FF2B5EF4-FFF2-40B4-BE49-F238E27FC236}">
-                <a16:creationId xmlns:a16="http://schemas.microsoft.com/office/drawing/2014/main" id="{8F55DABB-1D81-2F2C-6CB9-1EE3C2343FAB}"/>
+                <a16:creationId xmlns:a16="http://schemas.microsoft.com/office/drawing/2014/main" id="{29405C44-890C-1969-C4EC-823F1B8281C4}"/>
               </a:ext>
             </a:extLst>
           </p:cNvPr>
@@ -2100,7 +2100,7 @@
           <p:cNvPr id="4" name="灯片编号占位符 3">
             <a:extLst>
               <a:ext uri="{FF2B5EF4-FFF2-40B4-BE49-F238E27FC236}">
-                <a16:creationId xmlns:a16="http://schemas.microsoft.com/office/drawing/2014/main" id="{E71059C5-1EF4-CA8C-06D0-672FAA6BDFFE}"/>
+                <a16:creationId xmlns:a16="http://schemas.microsoft.com/office/drawing/2014/main" id="{883CE024-5C83-FE01-C8DA-E17782723137}"/>
               </a:ext>
             </a:extLst>
           </p:cNvPr>
@@ -2116,7 +2116,7 @@
           <a:bodyPr/>
           <a:lstStyle/>
           <a:p>
-            <a:fld id="{89E91699-E463-4EBF-82D1-18A2505B81C3}" type="slidenum">
+            <a:fld id="{115FBE51-1078-4159-BA71-B4BA696E8BF4}" type="slidenum">
               <a:rPr lang="zh-CN" altLang="en-US" smtClean="0"/>
               <a:t>‹#›</a:t>
             </a:fld>
@@ -2127,7 +2127,7 @@
     </p:spTree>
     <p:extLst>
       <p:ext uri="{BB962C8B-B14F-4D97-AF65-F5344CB8AC3E}">
-        <p14:creationId xmlns:p14="http://schemas.microsoft.com/office/powerpoint/2010/main" val="1742473014"/>
+        <p14:creationId xmlns:p14="http://schemas.microsoft.com/office/powerpoint/2010/main" val="3850873103"/>
       </p:ext>
     </p:extLst>
   </p:cSld>
@@ -2159,7 +2159,7 @@
           <p:cNvPr id="2" name="标题 1">
             <a:extLst>
               <a:ext uri="{FF2B5EF4-FFF2-40B4-BE49-F238E27FC236}">
-                <a16:creationId xmlns:a16="http://schemas.microsoft.com/office/drawing/2014/main" id="{0C49701A-49C7-415D-2850-21BDAA05AEE4}"/>
+                <a16:creationId xmlns:a16="http://schemas.microsoft.com/office/drawing/2014/main" id="{B1F86705-ED2F-FF65-6380-937EDC8EE4A6}"/>
               </a:ext>
             </a:extLst>
           </p:cNvPr>
@@ -2196,7 +2196,7 @@
           <p:cNvPr id="3" name="内容占位符 2">
             <a:extLst>
               <a:ext uri="{FF2B5EF4-FFF2-40B4-BE49-F238E27FC236}">
-                <a16:creationId xmlns:a16="http://schemas.microsoft.com/office/drawing/2014/main" id="{79ED2DDE-867E-1398-7E73-A812EDBECCFF}"/>
+                <a16:creationId xmlns:a16="http://schemas.microsoft.com/office/drawing/2014/main" id="{D2618A83-9182-D16C-E32C-D14E5D98C243}"/>
               </a:ext>
             </a:extLst>
           </p:cNvPr>
@@ -2286,7 +2286,7 @@
           <p:cNvPr id="4" name="文本占位符 3">
             <a:extLst>
               <a:ext uri="{FF2B5EF4-FFF2-40B4-BE49-F238E27FC236}">
-                <a16:creationId xmlns:a16="http://schemas.microsoft.com/office/drawing/2014/main" id="{B8DEFC2C-0BF6-A887-638A-8F05391362F7}"/>
+                <a16:creationId xmlns:a16="http://schemas.microsoft.com/office/drawing/2014/main" id="{AF237E0C-3BDA-3368-8D41-EBA82FB36FB0}"/>
               </a:ext>
             </a:extLst>
           </p:cNvPr>
@@ -2357,7 +2357,7 @@
           <p:cNvPr id="5" name="日期占位符 4">
             <a:extLst>
               <a:ext uri="{FF2B5EF4-FFF2-40B4-BE49-F238E27FC236}">
-                <a16:creationId xmlns:a16="http://schemas.microsoft.com/office/drawing/2014/main" id="{DB235184-0EA9-829E-EB31-A38ACF37BEB1}"/>
+                <a16:creationId xmlns:a16="http://schemas.microsoft.com/office/drawing/2014/main" id="{234B5E02-D61C-0996-8469-B0BB13C21072}"/>
               </a:ext>
             </a:extLst>
           </p:cNvPr>
@@ -2373,7 +2373,7 @@
           <a:bodyPr/>
           <a:lstStyle/>
           <a:p>
-            <a:fld id="{1E88D7F2-9304-415A-840F-91BA957EE654}" type="datetimeFigureOut">
+            <a:fld id="{9DC97E52-F089-4EE0-AEA8-7B984B1F65E5}" type="datetimeFigureOut">
               <a:rPr lang="zh-CN" altLang="en-US" smtClean="0"/>
               <a:t>2024/3/10</a:t>
             </a:fld>
@@ -2386,7 +2386,7 @@
           <p:cNvPr id="6" name="页脚占位符 5">
             <a:extLst>
               <a:ext uri="{FF2B5EF4-FFF2-40B4-BE49-F238E27FC236}">
-                <a16:creationId xmlns:a16="http://schemas.microsoft.com/office/drawing/2014/main" id="{4D611C5C-2078-CFA0-26F5-FCDA269D00EC}"/>
+                <a16:creationId xmlns:a16="http://schemas.microsoft.com/office/drawing/2014/main" id="{51C9476E-49E0-4B0C-D84D-E1BFA60D04A9}"/>
               </a:ext>
             </a:extLst>
           </p:cNvPr>
@@ -2411,7 +2411,7 @@
           <p:cNvPr id="7" name="灯片编号占位符 6">
             <a:extLst>
               <a:ext uri="{FF2B5EF4-FFF2-40B4-BE49-F238E27FC236}">
-                <a16:creationId xmlns:a16="http://schemas.microsoft.com/office/drawing/2014/main" id="{57C453FF-C937-0C61-D3CA-852E5D05CAA6}"/>
+                <a16:creationId xmlns:a16="http://schemas.microsoft.com/office/drawing/2014/main" id="{EDABE4CD-4DD6-7ABD-7C4F-B71BD54FA866}"/>
               </a:ext>
             </a:extLst>
           </p:cNvPr>
@@ -2427,7 +2427,7 @@
           <a:bodyPr/>
           <a:lstStyle/>
           <a:p>
-            <a:fld id="{89E91699-E463-4EBF-82D1-18A2505B81C3}" type="slidenum">
+            <a:fld id="{115FBE51-1078-4159-BA71-B4BA696E8BF4}" type="slidenum">
               <a:rPr lang="zh-CN" altLang="en-US" smtClean="0"/>
               <a:t>‹#›</a:t>
             </a:fld>
@@ -2438,7 +2438,7 @@
     </p:spTree>
     <p:extLst>
       <p:ext uri="{BB962C8B-B14F-4D97-AF65-F5344CB8AC3E}">
-        <p14:creationId xmlns:p14="http://schemas.microsoft.com/office/powerpoint/2010/main" val="3198144842"/>
+        <p14:creationId xmlns:p14="http://schemas.microsoft.com/office/powerpoint/2010/main" val="4034051996"/>
       </p:ext>
     </p:extLst>
   </p:cSld>
@@ -2470,7 +2470,7 @@
           <p:cNvPr id="2" name="标题 1">
             <a:extLst>
               <a:ext uri="{FF2B5EF4-FFF2-40B4-BE49-F238E27FC236}">
-                <a16:creationId xmlns:a16="http://schemas.microsoft.com/office/drawing/2014/main" id="{BC7D78EA-541F-677A-D2D7-DD322400EE5A}"/>
+                <a16:creationId xmlns:a16="http://schemas.microsoft.com/office/drawing/2014/main" id="{E9A5F7B4-024D-3078-0E89-DF0B565A16A2}"/>
               </a:ext>
             </a:extLst>
           </p:cNvPr>
@@ -2507,7 +2507,7 @@
           <p:cNvPr id="3" name="图片占位符 2">
             <a:extLst>
               <a:ext uri="{FF2B5EF4-FFF2-40B4-BE49-F238E27FC236}">
-                <a16:creationId xmlns:a16="http://schemas.microsoft.com/office/drawing/2014/main" id="{02961797-BA25-8022-A7F5-95827DA9ACE2}"/>
+                <a16:creationId xmlns:a16="http://schemas.microsoft.com/office/drawing/2014/main" id="{04D0D228-41A9-F2C9-5D15-39E2C54B1202}"/>
               </a:ext>
             </a:extLst>
           </p:cNvPr>
@@ -2574,7 +2574,7 @@
           <p:cNvPr id="4" name="文本占位符 3">
             <a:extLst>
               <a:ext uri="{FF2B5EF4-FFF2-40B4-BE49-F238E27FC236}">
-                <a16:creationId xmlns:a16="http://schemas.microsoft.com/office/drawing/2014/main" id="{02570375-57ED-C5C5-F9D0-A623506EBD04}"/>
+                <a16:creationId xmlns:a16="http://schemas.microsoft.com/office/drawing/2014/main" id="{2111BF55-C7BE-AF65-30D4-0AB603A03916}"/>
               </a:ext>
             </a:extLst>
           </p:cNvPr>
@@ -2645,7 +2645,7 @@
           <p:cNvPr id="5" name="日期占位符 4">
             <a:extLst>
               <a:ext uri="{FF2B5EF4-FFF2-40B4-BE49-F238E27FC236}">
-                <a16:creationId xmlns:a16="http://schemas.microsoft.com/office/drawing/2014/main" id="{8521699A-CE91-C36B-4A3B-7E26FECC355B}"/>
+                <a16:creationId xmlns:a16="http://schemas.microsoft.com/office/drawing/2014/main" id="{8385DBEC-EE6A-6F5B-E832-B89947604D9C}"/>
               </a:ext>
             </a:extLst>
           </p:cNvPr>
@@ -2661,7 +2661,7 @@
           <a:bodyPr/>
           <a:lstStyle/>
           <a:p>
-            <a:fld id="{1E88D7F2-9304-415A-840F-91BA957EE654}" type="datetimeFigureOut">
+            <a:fld id="{9DC97E52-F089-4EE0-AEA8-7B984B1F65E5}" type="datetimeFigureOut">
               <a:rPr lang="zh-CN" altLang="en-US" smtClean="0"/>
               <a:t>2024/3/10</a:t>
             </a:fld>
@@ -2674,7 +2674,7 @@
           <p:cNvPr id="6" name="页脚占位符 5">
             <a:extLst>
               <a:ext uri="{FF2B5EF4-FFF2-40B4-BE49-F238E27FC236}">
-                <a16:creationId xmlns:a16="http://schemas.microsoft.com/office/drawing/2014/main" id="{82F6E61F-1037-8043-2D15-6E8011A2243A}"/>
+                <a16:creationId xmlns:a16="http://schemas.microsoft.com/office/drawing/2014/main" id="{0C061555-2E0C-172B-5205-E332DE6C39DF}"/>
               </a:ext>
             </a:extLst>
           </p:cNvPr>
@@ -2699,7 +2699,7 @@
           <p:cNvPr id="7" name="灯片编号占位符 6">
             <a:extLst>
               <a:ext uri="{FF2B5EF4-FFF2-40B4-BE49-F238E27FC236}">
-                <a16:creationId xmlns:a16="http://schemas.microsoft.com/office/drawing/2014/main" id="{2F918758-EBB0-9D9A-6DD7-CCC9C5449DE6}"/>
+                <a16:creationId xmlns:a16="http://schemas.microsoft.com/office/drawing/2014/main" id="{1F03A161-4E6E-6D81-5EC5-6B5D556E75F0}"/>
               </a:ext>
             </a:extLst>
           </p:cNvPr>
@@ -2715,7 +2715,7 @@
           <a:bodyPr/>
           <a:lstStyle/>
           <a:p>
-            <a:fld id="{89E91699-E463-4EBF-82D1-18A2505B81C3}" type="slidenum">
+            <a:fld id="{115FBE51-1078-4159-BA71-B4BA696E8BF4}" type="slidenum">
               <a:rPr lang="zh-CN" altLang="en-US" smtClean="0"/>
               <a:t>‹#›</a:t>
             </a:fld>
@@ -2726,7 +2726,7 @@
     </p:spTree>
     <p:extLst>
       <p:ext uri="{BB962C8B-B14F-4D97-AF65-F5344CB8AC3E}">
-        <p14:creationId xmlns:p14="http://schemas.microsoft.com/office/powerpoint/2010/main" val="3364724451"/>
+        <p14:creationId xmlns:p14="http://schemas.microsoft.com/office/powerpoint/2010/main" val="1468682534"/>
       </p:ext>
     </p:extLst>
   </p:cSld>
@@ -2763,7 +2763,7 @@
           <p:cNvPr id="2" name="标题占位符 1">
             <a:extLst>
               <a:ext uri="{FF2B5EF4-FFF2-40B4-BE49-F238E27FC236}">
-                <a16:creationId xmlns:a16="http://schemas.microsoft.com/office/drawing/2014/main" id="{A388E7D9-4342-06E4-2AF1-81E689D1A63E}"/>
+                <a16:creationId xmlns:a16="http://schemas.microsoft.com/office/drawing/2014/main" id="{3C21DECD-E2F5-F7BA-6938-00E36567554E}"/>
               </a:ext>
             </a:extLst>
           </p:cNvPr>
@@ -2801,7 +2801,7 @@
           <p:cNvPr id="3" name="文本占位符 2">
             <a:extLst>
               <a:ext uri="{FF2B5EF4-FFF2-40B4-BE49-F238E27FC236}">
-                <a16:creationId xmlns:a16="http://schemas.microsoft.com/office/drawing/2014/main" id="{EA46DA5E-9BF8-B870-65D7-4E9514BBE84C}"/>
+                <a16:creationId xmlns:a16="http://schemas.microsoft.com/office/drawing/2014/main" id="{7E81E450-C81A-1A2E-618D-17C6D89CA55B}"/>
               </a:ext>
             </a:extLst>
           </p:cNvPr>
@@ -2868,7 +2868,7 @@
           <p:cNvPr id="4" name="日期占位符 3">
             <a:extLst>
               <a:ext uri="{FF2B5EF4-FFF2-40B4-BE49-F238E27FC236}">
-                <a16:creationId xmlns:a16="http://schemas.microsoft.com/office/drawing/2014/main" id="{24EBDE6F-E20A-A233-EE48-7AFDA3BAE743}"/>
+                <a16:creationId xmlns:a16="http://schemas.microsoft.com/office/drawing/2014/main" id="{E2AED9FE-41D3-91BD-D23C-DE6810043569}"/>
               </a:ext>
             </a:extLst>
           </p:cNvPr>
@@ -2902,7 +2902,7 @@
             </a:lvl1pPr>
           </a:lstStyle>
           <a:p>
-            <a:fld id="{1E88D7F2-9304-415A-840F-91BA957EE654}" type="datetimeFigureOut">
+            <a:fld id="{9DC97E52-F089-4EE0-AEA8-7B984B1F65E5}" type="datetimeFigureOut">
               <a:rPr lang="zh-CN" altLang="en-US" smtClean="0"/>
               <a:t>2024/3/10</a:t>
             </a:fld>
@@ -2915,7 +2915,7 @@
           <p:cNvPr id="5" name="页脚占位符 4">
             <a:extLst>
               <a:ext uri="{FF2B5EF4-FFF2-40B4-BE49-F238E27FC236}">
-                <a16:creationId xmlns:a16="http://schemas.microsoft.com/office/drawing/2014/main" id="{F9C32768-2E1B-FE7D-B8F3-0A5D0D5A6758}"/>
+                <a16:creationId xmlns:a16="http://schemas.microsoft.com/office/drawing/2014/main" id="{E5574359-76E3-3FD4-42EF-ABFE7770002F}"/>
               </a:ext>
             </a:extLst>
           </p:cNvPr>
@@ -2958,7 +2958,7 @@
           <p:cNvPr id="6" name="灯片编号占位符 5">
             <a:extLst>
               <a:ext uri="{FF2B5EF4-FFF2-40B4-BE49-F238E27FC236}">
-                <a16:creationId xmlns:a16="http://schemas.microsoft.com/office/drawing/2014/main" id="{F8136359-D230-C6EC-30CE-7B1C933C88CA}"/>
+                <a16:creationId xmlns:a16="http://schemas.microsoft.com/office/drawing/2014/main" id="{4D6D44DB-B5D6-29B0-740B-556FCFB3F854}"/>
               </a:ext>
             </a:extLst>
           </p:cNvPr>
@@ -2992,7 +2992,7 @@
             </a:lvl1pPr>
           </a:lstStyle>
           <a:p>
-            <a:fld id="{89E91699-E463-4EBF-82D1-18A2505B81C3}" type="slidenum">
+            <a:fld id="{115FBE51-1078-4159-BA71-B4BA696E8BF4}" type="slidenum">
               <a:rPr lang="zh-CN" altLang="en-US" smtClean="0"/>
               <a:t>‹#›</a:t>
             </a:fld>
@@ -3003,7 +3003,7 @@
     </p:spTree>
     <p:extLst>
       <p:ext uri="{BB962C8B-B14F-4D97-AF65-F5344CB8AC3E}">
-        <p14:creationId xmlns:p14="http://schemas.microsoft.com/office/powerpoint/2010/main" val="2223671628"/>
+        <p14:creationId xmlns:p14="http://schemas.microsoft.com/office/powerpoint/2010/main" val="680859659"/>
       </p:ext>
     </p:extLst>
   </p:cSld>
@@ -3323,7 +3323,7 @@
       </p:grpSpPr>
       <p:pic>
         <p:nvPicPr>
-          <p:cNvPr id="900098" name="Picture 2" descr="878"/>
+          <p:cNvPr id="901122" name="Picture 2" descr="879"/>
           <p:cNvPicPr>
             <a:picLocks noChangeAspect="1" noChangeArrowheads="1"/>
           </p:cNvPicPr>
@@ -3344,7 +3344,7 @@
         </p:blipFill>
         <p:spPr bwMode="auto">
           <a:xfrm>
-            <a:off x="1543050" y="1"/>
+            <a:off x="1524000" y="1"/>
             <a:ext cx="9124950" cy="6843713"/>
           </a:xfrm>
           <a:prstGeom prst="rect">
@@ -3375,158 +3375,11 @@
           </a:extLst>
         </p:spPr>
       </p:pic>
-      <p:pic>
-        <p:nvPicPr>
-          <p:cNvPr id="901123" name="Picture 3" descr="878-2"/>
-          <p:cNvPicPr>
-            <a:picLocks noChangeAspect="1" noChangeArrowheads="1"/>
-          </p:cNvPicPr>
-          <p:nvPr/>
-        </p:nvPicPr>
-        <p:blipFill>
-          <a:blip r:embed="rId3">
-            <a:extLst>
-              <a:ext uri="{28A0092B-C50C-407E-A947-70E740481C1C}">
-                <a14:useLocalDpi xmlns:a14="http://schemas.microsoft.com/office/drawing/2010/main" val="0"/>
-              </a:ext>
-            </a:extLst>
-          </a:blip>
-          <a:srcRect/>
-          <a:stretch>
-            <a:fillRect/>
-          </a:stretch>
-        </p:blipFill>
-        <p:spPr bwMode="auto">
-          <a:xfrm>
-            <a:off x="1524000" y="0"/>
-            <a:ext cx="9124950" cy="6845300"/>
-          </a:xfrm>
-          <a:prstGeom prst="rect">
-            <a:avLst/>
-          </a:prstGeom>
-          <a:noFill/>
-          <a:ln>
-            <a:noFill/>
-          </a:ln>
-          <a:effectLst/>
-          <a:extLst>
-            <a:ext uri="{909E8E84-426E-40DD-AFC4-6F175D3DCCD1}">
-              <a14:hiddenFill xmlns:a14="http://schemas.microsoft.com/office/drawing/2010/main">
-                <a:solidFill>
-                  <a:srgbClr val="FFFFFF"/>
-                </a:solidFill>
-              </a14:hiddenFill>
-            </a:ext>
-            <a:ext uri="{91240B29-F687-4F45-9708-019B960494DF}">
-              <a14:hiddenLine xmlns:a14="http://schemas.microsoft.com/office/drawing/2010/main" w="9525">
-                <a:solidFill>
-                  <a:srgbClr val="000000"/>
-                </a:solidFill>
-                <a:miter lim="800000"/>
-                <a:headEnd/>
-                <a:tailEnd/>
-              </a14:hiddenLine>
-            </a:ext>
-            <a:ext uri="{AF507438-7753-43E0-B8FC-AC1667EBCBE1}">
-              <a14:hiddenEffects xmlns:a14="http://schemas.microsoft.com/office/drawing/2010/main">
-                <a:effectLst>
-                  <a:outerShdw dist="35921" dir="2700000" algn="ctr" rotWithShape="0">
-                    <a:srgbClr val="808080"/>
-                  </a:outerShdw>
-                </a:effectLst>
-              </a14:hiddenEffects>
-            </a:ext>
-          </a:extLst>
-        </p:spPr>
-      </p:pic>
     </p:spTree>
   </p:cSld>
   <p:clrMapOvr>
     <a:masterClrMapping/>
   </p:clrMapOvr>
-  <p:timing>
-    <p:tnLst>
-      <p:par>
-        <p:cTn id="1" dur="indefinite" restart="never" nodeType="tmRoot">
-          <p:childTnLst>
-            <p:seq concurrent="1" nextAc="seek">
-              <p:cTn id="2" dur="indefinite" nodeType="mainSeq">
-                <p:childTnLst>
-                  <p:par>
-                    <p:cTn id="3" fill="hold" nodeType="clickPar">
-                      <p:stCondLst>
-                        <p:cond delay="indefinite"/>
-                      </p:stCondLst>
-                      <p:childTnLst>
-                        <p:par>
-                          <p:cTn id="4" fill="hold" nodeType="withGroup">
-                            <p:stCondLst>
-                              <p:cond delay="0"/>
-                            </p:stCondLst>
-                            <p:childTnLst>
-                              <p:par>
-                                <p:cTn id="5" presetID="10" presetClass="entr" presetSubtype="0" fill="hold" nodeType="clickEffect">
-                                  <p:stCondLst>
-                                    <p:cond delay="0"/>
-                                  </p:stCondLst>
-                                  <p:childTnLst>
-                                    <p:set>
-                                      <p:cBhvr>
-                                        <p:cTn id="6" dur="1" fill="hold">
-                                          <p:stCondLst>
-                                            <p:cond delay="0"/>
-                                          </p:stCondLst>
-                                        </p:cTn>
-                                        <p:tgtEl>
-                                          <p:spTgt spid="901123"/>
-                                        </p:tgtEl>
-                                        <p:attrNameLst>
-                                          <p:attrName>style.visibility</p:attrName>
-                                        </p:attrNameLst>
-                                      </p:cBhvr>
-                                      <p:to>
-                                        <p:strVal val="visible"/>
-                                      </p:to>
-                                    </p:set>
-                                    <p:animEffect transition="in" filter="fade">
-                                      <p:cBhvr>
-                                        <p:cTn id="7" dur="500"/>
-                                        <p:tgtEl>
-                                          <p:spTgt spid="901123"/>
-                                        </p:tgtEl>
-                                      </p:cBhvr>
-                                    </p:animEffect>
-                                  </p:childTnLst>
-                                </p:cTn>
-                              </p:par>
-                            </p:childTnLst>
-                          </p:cTn>
-                        </p:par>
-                      </p:childTnLst>
-                    </p:cTn>
-                  </p:par>
-                </p:childTnLst>
-              </p:cTn>
-              <p:prevCondLst>
-                <p:cond evt="onPrev" delay="0">
-                  <p:tgtEl>
-                    <p:sldTgt/>
-                  </p:tgtEl>
-                </p:cond>
-              </p:prevCondLst>
-              <p:nextCondLst>
-                <p:cond evt="onNext" delay="0">
-                  <p:tgtEl>
-                    <p:sldTgt/>
-                  </p:tgtEl>
-                </p:cond>
-              </p:nextCondLst>
-            </p:seq>
-          </p:childTnLst>
-        </p:cTn>
-      </p:par>
-    </p:tnLst>
-  </p:timing>
 </p:sld>
 </file>
 
